--- a/v3/software/CC64/doc/ReturnBlock.pptx
+++ b/v3/software/CC64/doc/ReturnBlock.pptx
@@ -6,6 +6,7 @@
   </p:sldMasterIdLst>
   <p:sldIdLst>
     <p:sldId id="256" r:id="rId2"/>
+    <p:sldId id="257" r:id="rId3"/>
   </p:sldIdLst>
   <p:sldSz cx="12192000" cy="6858000"/>
   <p:notesSz cx="6858000" cy="9144000"/>
@@ -261,7 +262,7 @@
           <a:p>
             <a:fld id="{86E7B0A5-EAB9-495F-9E91-3644B69DD4CA}" type="datetimeFigureOut">
               <a:rPr lang="en-CA" smtClean="0"/>
-              <a:t>2021-07-21</a:t>
+              <a:t>2021-08-03</a:t>
             </a:fld>
             <a:endParaRPr lang="en-CA"/>
           </a:p>
@@ -461,7 +462,7 @@
           <a:p>
             <a:fld id="{86E7B0A5-EAB9-495F-9E91-3644B69DD4CA}" type="datetimeFigureOut">
               <a:rPr lang="en-CA" smtClean="0"/>
-              <a:t>2021-07-21</a:t>
+              <a:t>2021-08-03</a:t>
             </a:fld>
             <a:endParaRPr lang="en-CA"/>
           </a:p>
@@ -671,7 +672,7 @@
           <a:p>
             <a:fld id="{86E7B0A5-EAB9-495F-9E91-3644B69DD4CA}" type="datetimeFigureOut">
               <a:rPr lang="en-CA" smtClean="0"/>
-              <a:t>2021-07-21</a:t>
+              <a:t>2021-08-03</a:t>
             </a:fld>
             <a:endParaRPr lang="en-CA"/>
           </a:p>
@@ -871,7 +872,7 @@
           <a:p>
             <a:fld id="{86E7B0A5-EAB9-495F-9E91-3644B69DD4CA}" type="datetimeFigureOut">
               <a:rPr lang="en-CA" smtClean="0"/>
-              <a:t>2021-07-21</a:t>
+              <a:t>2021-08-03</a:t>
             </a:fld>
             <a:endParaRPr lang="en-CA"/>
           </a:p>
@@ -1147,7 +1148,7 @@
           <a:p>
             <a:fld id="{86E7B0A5-EAB9-495F-9E91-3644B69DD4CA}" type="datetimeFigureOut">
               <a:rPr lang="en-CA" smtClean="0"/>
-              <a:t>2021-07-21</a:t>
+              <a:t>2021-08-03</a:t>
             </a:fld>
             <a:endParaRPr lang="en-CA"/>
           </a:p>
@@ -1415,7 +1416,7 @@
           <a:p>
             <a:fld id="{86E7B0A5-EAB9-495F-9E91-3644B69DD4CA}" type="datetimeFigureOut">
               <a:rPr lang="en-CA" smtClean="0"/>
-              <a:t>2021-07-21</a:t>
+              <a:t>2021-08-03</a:t>
             </a:fld>
             <a:endParaRPr lang="en-CA"/>
           </a:p>
@@ -1830,7 +1831,7 @@
           <a:p>
             <a:fld id="{86E7B0A5-EAB9-495F-9E91-3644B69DD4CA}" type="datetimeFigureOut">
               <a:rPr lang="en-CA" smtClean="0"/>
-              <a:t>2021-07-21</a:t>
+              <a:t>2021-08-03</a:t>
             </a:fld>
             <a:endParaRPr lang="en-CA"/>
           </a:p>
@@ -1972,7 +1973,7 @@
           <a:p>
             <a:fld id="{86E7B0A5-EAB9-495F-9E91-3644B69DD4CA}" type="datetimeFigureOut">
               <a:rPr lang="en-CA" smtClean="0"/>
-              <a:t>2021-07-21</a:t>
+              <a:t>2021-08-03</a:t>
             </a:fld>
             <a:endParaRPr lang="en-CA"/>
           </a:p>
@@ -2085,7 +2086,7 @@
           <a:p>
             <a:fld id="{86E7B0A5-EAB9-495F-9E91-3644B69DD4CA}" type="datetimeFigureOut">
               <a:rPr lang="en-CA" smtClean="0"/>
-              <a:t>2021-07-21</a:t>
+              <a:t>2021-08-03</a:t>
             </a:fld>
             <a:endParaRPr lang="en-CA"/>
           </a:p>
@@ -2398,7 +2399,7 @@
           <a:p>
             <a:fld id="{86E7B0A5-EAB9-495F-9E91-3644B69DD4CA}" type="datetimeFigureOut">
               <a:rPr lang="en-CA" smtClean="0"/>
-              <a:t>2021-07-21</a:t>
+              <a:t>2021-08-03</a:t>
             </a:fld>
             <a:endParaRPr lang="en-CA"/>
           </a:p>
@@ -2687,7 +2688,7 @@
           <a:p>
             <a:fld id="{86E7B0A5-EAB9-495F-9E91-3644B69DD4CA}" type="datetimeFigureOut">
               <a:rPr lang="en-CA" smtClean="0"/>
-              <a:t>2021-07-21</a:t>
+              <a:t>2021-08-03</a:t>
             </a:fld>
             <a:endParaRPr lang="en-CA"/>
           </a:p>
@@ -2930,7 +2931,7 @@
           <a:p>
             <a:fld id="{86E7B0A5-EAB9-495F-9E91-3644B69DD4CA}" type="datetimeFigureOut">
               <a:rPr lang="en-CA" smtClean="0"/>
-              <a:t>2021-07-21</a:t>
+              <a:t>2021-08-03</a:t>
             </a:fld>
             <a:endParaRPr lang="en-CA"/>
           </a:p>
@@ -3403,7 +3404,7 @@
                   <a:schemeClr val="tx1"/>
                 </a:solidFill>
               </a:rPr>
-              <a:t>Object List</a:t>
+              <a:t>Return Address</a:t>
             </a:r>
           </a:p>
         </p:txBody>
@@ -3464,7 +3465,7 @@
                   <a:schemeClr val="tx1"/>
                 </a:solidFill>
               </a:rPr>
-              <a:t>Exception Handler Address</a:t>
+              <a:t>Previous Frame Pointer</a:t>
             </a:r>
           </a:p>
         </p:txBody>
@@ -3525,7 +3526,7 @@
                   <a:schemeClr val="tx1"/>
                 </a:solidFill>
               </a:rPr>
-              <a:t>Previous Frame Pointer</a:t>
+              <a:t>Exception Handler Address</a:t>
             </a:r>
           </a:p>
         </p:txBody>
@@ -3586,7 +3587,7 @@
                   <a:schemeClr val="tx1"/>
                 </a:solidFill>
               </a:rPr>
-              <a:t>Return Address</a:t>
+              <a:t>Object List Pointer</a:t>
             </a:r>
           </a:p>
         </p:txBody>
@@ -3728,7 +3729,7 @@
         <p:spPr>
           <a:xfrm>
             <a:off x="712756" y="2434080"/>
-            <a:ext cx="705642" cy="369332"/>
+            <a:ext cx="635110" cy="369332"/>
           </a:xfrm>
           <a:prstGeom prst="rect">
             <a:avLst/>
@@ -3743,7 +3744,7 @@
           <a:p>
             <a:r>
               <a:rPr lang="en-CA" dirty="0"/>
-              <a:t>-8[</a:t>
+              <a:t>8[</a:t>
             </a:r>
             <a:r>
               <a:rPr lang="en-CA" dirty="0" err="1"/>
@@ -3771,7 +3772,7 @@
         <p:spPr>
           <a:xfrm>
             <a:off x="712756" y="2016478"/>
-            <a:ext cx="822661" cy="369332"/>
+            <a:ext cx="752129" cy="369332"/>
           </a:xfrm>
           <a:prstGeom prst="rect">
             <a:avLst/>
@@ -3786,7 +3787,7 @@
           <a:p>
             <a:r>
               <a:rPr lang="en-CA" dirty="0"/>
-              <a:t>-16[</a:t>
+              <a:t>16[</a:t>
             </a:r>
             <a:r>
               <a:rPr lang="en-CA" dirty="0" err="1"/>
@@ -3814,7 +3815,7 @@
         <p:spPr>
           <a:xfrm>
             <a:off x="689512" y="1586383"/>
-            <a:ext cx="822661" cy="369332"/>
+            <a:ext cx="752129" cy="369332"/>
           </a:xfrm>
           <a:prstGeom prst="rect">
             <a:avLst/>
@@ -3829,7 +3830,7 @@
           <a:p>
             <a:r>
               <a:rPr lang="en-CA" dirty="0"/>
-              <a:t>-24[</a:t>
+              <a:t>24[</a:t>
             </a:r>
             <a:r>
               <a:rPr lang="en-CA" dirty="0" err="1"/>
@@ -3918,7 +3919,7 @@
         <p:spPr>
           <a:xfrm>
             <a:off x="712755" y="1145293"/>
-            <a:ext cx="822661" cy="369332"/>
+            <a:ext cx="752129" cy="369332"/>
           </a:xfrm>
           <a:prstGeom prst="rect">
             <a:avLst/>
@@ -3933,7 +3934,7 @@
           <a:p>
             <a:r>
               <a:rPr lang="en-CA" dirty="0"/>
-              <a:t>-32[</a:t>
+              <a:t>32[</a:t>
             </a:r>
             <a:r>
               <a:rPr lang="en-CA" dirty="0" err="1"/>
@@ -3976,7 +3977,7 @@
           <a:p>
             <a:r>
               <a:rPr lang="en-CA" dirty="0"/>
-              <a:t>Parameters passed on the stack begin at frame pointer minus 32.</a:t>
+              <a:t>Parameters passed on the stack begin at frame pointer plus 32.</a:t>
             </a:r>
           </a:p>
           <a:p>
@@ -3985,7 +3986,15 @@
           <a:p>
             <a:r>
               <a:rPr lang="en-CA" dirty="0"/>
-              <a:t>Local variables are address as positive offsets from the frame pointer.</a:t>
+              <a:t>Local variables are address </a:t>
+            </a:r>
+            <a:r>
+              <a:rPr lang="en-CA"/>
+              <a:t>as negative </a:t>
+            </a:r>
+            <a:r>
+              <a:rPr lang="en-CA" dirty="0"/>
+              <a:t>offsets from the frame pointer.</a:t>
             </a:r>
           </a:p>
         </p:txBody>
@@ -4194,6 +4203,1610 @@
     <p:extLst>
       <p:ext uri="{BB962C8B-B14F-4D97-AF65-F5344CB8AC3E}">
         <p14:creationId xmlns:p14="http://schemas.microsoft.com/office/powerpoint/2010/main" val="1251237196"/>
+      </p:ext>
+    </p:extLst>
+  </p:cSld>
+  <p:clrMapOvr>
+    <a:masterClrMapping/>
+  </p:clrMapOvr>
+</p:sld>
+</file>
+
+<file path=ppt/slides/slide2.xml><?xml version="1.0" encoding="utf-8"?>
+<p:sld xmlns:a="http://schemas.openxmlformats.org/drawingml/2006/main" xmlns:r="http://schemas.openxmlformats.org/officeDocument/2006/relationships" xmlns:p="http://schemas.openxmlformats.org/presentationml/2006/main">
+  <p:cSld>
+    <p:spTree>
+      <p:nvGrpSpPr>
+        <p:cNvPr id="1" name=""/>
+        <p:cNvGrpSpPr/>
+        <p:nvPr/>
+      </p:nvGrpSpPr>
+      <p:grpSpPr>
+        <a:xfrm>
+          <a:off x="0" y="0"/>
+          <a:ext cx="0" cy="0"/>
+          <a:chOff x="0" y="0"/>
+          <a:chExt cx="0" cy="0"/>
+        </a:xfrm>
+      </p:grpSpPr>
+      <p:sp>
+        <p:nvSpPr>
+          <p:cNvPr id="4" name="Rectangle 3">
+            <a:extLst>
+              <a:ext uri="{FF2B5EF4-FFF2-40B4-BE49-F238E27FC236}">
+                <a16:creationId xmlns:a16="http://schemas.microsoft.com/office/drawing/2014/main" id="{5B67BB20-7288-4D31-9AC9-31C35D5AC300}"/>
+              </a:ext>
+            </a:extLst>
+          </p:cNvPr>
+          <p:cNvSpPr/>
+          <p:nvPr/>
+        </p:nvSpPr>
+        <p:spPr>
+          <a:xfrm>
+            <a:off x="1828941" y="4507239"/>
+            <a:ext cx="2948474" cy="410547"/>
+          </a:xfrm>
+          <a:prstGeom prst="rect">
+            <a:avLst/>
+          </a:prstGeom>
+          <a:solidFill>
+            <a:schemeClr val="bg1"/>
+          </a:solidFill>
+          <a:ln>
+            <a:solidFill>
+              <a:schemeClr val="tx1"/>
+            </a:solidFill>
+          </a:ln>
+        </p:spPr>
+        <p:style>
+          <a:lnRef idx="2">
+            <a:schemeClr val="accent1">
+              <a:shade val="50000"/>
+            </a:schemeClr>
+          </a:lnRef>
+          <a:fillRef idx="1">
+            <a:schemeClr val="accent1"/>
+          </a:fillRef>
+          <a:effectRef idx="0">
+            <a:schemeClr val="accent1"/>
+          </a:effectRef>
+          <a:fontRef idx="minor">
+            <a:schemeClr val="lt1"/>
+          </a:fontRef>
+        </p:style>
+        <p:txBody>
+          <a:bodyPr rtlCol="0" anchor="ctr"/>
+          <a:lstStyle/>
+          <a:p>
+            <a:pPr algn="ctr"/>
+            <a:r>
+              <a:rPr lang="en-CA" dirty="0">
+                <a:solidFill>
+                  <a:schemeClr val="tx1"/>
+                </a:solidFill>
+              </a:rPr>
+              <a:t>Return Address IP</a:t>
+            </a:r>
+          </a:p>
+        </p:txBody>
+      </p:sp>
+      <p:sp>
+        <p:nvSpPr>
+          <p:cNvPr id="5" name="Rectangle 4">
+            <a:extLst>
+              <a:ext uri="{FF2B5EF4-FFF2-40B4-BE49-F238E27FC236}">
+                <a16:creationId xmlns:a16="http://schemas.microsoft.com/office/drawing/2014/main" id="{4C1831EA-F3F3-4ED6-9737-D6C8D8B771E7}"/>
+              </a:ext>
+            </a:extLst>
+          </p:cNvPr>
+          <p:cNvSpPr/>
+          <p:nvPr/>
+        </p:nvSpPr>
+        <p:spPr>
+          <a:xfrm>
+            <a:off x="1830175" y="5330111"/>
+            <a:ext cx="2948475" cy="410547"/>
+          </a:xfrm>
+          <a:prstGeom prst="rect">
+            <a:avLst/>
+          </a:prstGeom>
+          <a:solidFill>
+            <a:schemeClr val="bg1"/>
+          </a:solidFill>
+          <a:ln>
+            <a:solidFill>
+              <a:schemeClr val="tx1"/>
+            </a:solidFill>
+          </a:ln>
+        </p:spPr>
+        <p:style>
+          <a:lnRef idx="2">
+            <a:schemeClr val="accent1">
+              <a:shade val="50000"/>
+            </a:schemeClr>
+          </a:lnRef>
+          <a:fillRef idx="1">
+            <a:schemeClr val="accent1"/>
+          </a:fillRef>
+          <a:effectRef idx="0">
+            <a:schemeClr val="accent1"/>
+          </a:effectRef>
+          <a:fontRef idx="minor">
+            <a:schemeClr val="lt1"/>
+          </a:fontRef>
+        </p:style>
+        <p:txBody>
+          <a:bodyPr rtlCol="0" anchor="ctr"/>
+          <a:lstStyle/>
+          <a:p>
+            <a:pPr algn="ctr"/>
+            <a:r>
+              <a:rPr lang="en-CA" dirty="0">
+                <a:solidFill>
+                  <a:schemeClr val="tx1"/>
+                </a:solidFill>
+              </a:rPr>
+              <a:t>Previous Frame Pointer</a:t>
+            </a:r>
+          </a:p>
+        </p:txBody>
+      </p:sp>
+      <p:sp>
+        <p:nvSpPr>
+          <p:cNvPr id="6" name="Rectangle 5">
+            <a:extLst>
+              <a:ext uri="{FF2B5EF4-FFF2-40B4-BE49-F238E27FC236}">
+                <a16:creationId xmlns:a16="http://schemas.microsoft.com/office/drawing/2014/main" id="{1BC058AF-3F0B-461B-B993-E75323457BEB}"/>
+              </a:ext>
+            </a:extLst>
+          </p:cNvPr>
+          <p:cNvSpPr/>
+          <p:nvPr/>
+        </p:nvSpPr>
+        <p:spPr>
+          <a:xfrm>
+            <a:off x="1828940" y="3691272"/>
+            <a:ext cx="2948475" cy="410547"/>
+          </a:xfrm>
+          <a:prstGeom prst="rect">
+            <a:avLst/>
+          </a:prstGeom>
+          <a:solidFill>
+            <a:schemeClr val="bg1"/>
+          </a:solidFill>
+          <a:ln>
+            <a:solidFill>
+              <a:schemeClr val="tx1"/>
+            </a:solidFill>
+          </a:ln>
+        </p:spPr>
+        <p:style>
+          <a:lnRef idx="2">
+            <a:schemeClr val="accent1">
+              <a:shade val="50000"/>
+            </a:schemeClr>
+          </a:lnRef>
+          <a:fillRef idx="1">
+            <a:schemeClr val="accent1"/>
+          </a:fillRef>
+          <a:effectRef idx="0">
+            <a:schemeClr val="accent1"/>
+          </a:effectRef>
+          <a:fontRef idx="minor">
+            <a:schemeClr val="lt1"/>
+          </a:fontRef>
+        </p:style>
+        <p:txBody>
+          <a:bodyPr rtlCol="0" anchor="ctr"/>
+          <a:lstStyle/>
+          <a:p>
+            <a:pPr algn="ctr"/>
+            <a:r>
+              <a:rPr lang="en-CA" dirty="0">
+                <a:solidFill>
+                  <a:schemeClr val="tx1"/>
+                </a:solidFill>
+              </a:rPr>
+              <a:t>Exception Handler IP</a:t>
+            </a:r>
+          </a:p>
+        </p:txBody>
+      </p:sp>
+      <p:sp>
+        <p:nvSpPr>
+          <p:cNvPr id="7" name="Rectangle 6">
+            <a:extLst>
+              <a:ext uri="{FF2B5EF4-FFF2-40B4-BE49-F238E27FC236}">
+                <a16:creationId xmlns:a16="http://schemas.microsoft.com/office/drawing/2014/main" id="{E5548470-E653-47DD-B7DC-8B01BA5FD8E0}"/>
+              </a:ext>
+            </a:extLst>
+          </p:cNvPr>
+          <p:cNvSpPr/>
+          <p:nvPr/>
+        </p:nvSpPr>
+        <p:spPr>
+          <a:xfrm>
+            <a:off x="1828938" y="2879202"/>
+            <a:ext cx="2948475" cy="410547"/>
+          </a:xfrm>
+          <a:prstGeom prst="rect">
+            <a:avLst/>
+          </a:prstGeom>
+          <a:solidFill>
+            <a:schemeClr val="bg1"/>
+          </a:solidFill>
+          <a:ln>
+            <a:solidFill>
+              <a:schemeClr val="tx1"/>
+            </a:solidFill>
+          </a:ln>
+        </p:spPr>
+        <p:style>
+          <a:lnRef idx="2">
+            <a:schemeClr val="accent1">
+              <a:shade val="50000"/>
+            </a:schemeClr>
+          </a:lnRef>
+          <a:fillRef idx="1">
+            <a:schemeClr val="accent1"/>
+          </a:fillRef>
+          <a:effectRef idx="0">
+            <a:schemeClr val="accent1"/>
+          </a:effectRef>
+          <a:fontRef idx="minor">
+            <a:schemeClr val="lt1"/>
+          </a:fontRef>
+        </p:style>
+        <p:txBody>
+          <a:bodyPr rtlCol="0" anchor="ctr"/>
+          <a:lstStyle/>
+          <a:p>
+            <a:pPr algn="ctr"/>
+            <a:r>
+              <a:rPr lang="en-CA" dirty="0">
+                <a:solidFill>
+                  <a:schemeClr val="tx1"/>
+                </a:solidFill>
+              </a:rPr>
+              <a:t>Object List Pointer</a:t>
+            </a:r>
+          </a:p>
+        </p:txBody>
+      </p:sp>
+      <p:sp>
+        <p:nvSpPr>
+          <p:cNvPr id="8" name="Right Brace 7">
+            <a:extLst>
+              <a:ext uri="{FF2B5EF4-FFF2-40B4-BE49-F238E27FC236}">
+                <a16:creationId xmlns:a16="http://schemas.microsoft.com/office/drawing/2014/main" id="{E6C87E95-6FE7-4F56-A6EA-B40276C6D57B}"/>
+              </a:ext>
+            </a:extLst>
+          </p:cNvPr>
+          <p:cNvSpPr/>
+          <p:nvPr/>
+        </p:nvSpPr>
+        <p:spPr>
+          <a:xfrm>
+            <a:off x="5016915" y="825912"/>
+            <a:ext cx="277569" cy="4914745"/>
+          </a:xfrm>
+          <a:prstGeom prst="rightBrace">
+            <a:avLst>
+              <a:gd name="adj1" fmla="val 0"/>
+              <a:gd name="adj2" fmla="val 50000"/>
+            </a:avLst>
+          </a:prstGeom>
+        </p:spPr>
+        <p:style>
+          <a:lnRef idx="1">
+            <a:schemeClr val="accent1"/>
+          </a:lnRef>
+          <a:fillRef idx="0">
+            <a:schemeClr val="accent1"/>
+          </a:fillRef>
+          <a:effectRef idx="0">
+            <a:schemeClr val="accent1"/>
+          </a:effectRef>
+          <a:fontRef idx="minor">
+            <a:schemeClr val="tx1"/>
+          </a:fontRef>
+        </p:style>
+        <p:txBody>
+          <a:bodyPr rtlCol="0" anchor="ctr"/>
+          <a:lstStyle/>
+          <a:p>
+            <a:pPr algn="ctr"/>
+            <a:endParaRPr lang="en-CA" dirty="0"/>
+          </a:p>
+        </p:txBody>
+      </p:sp>
+      <p:sp>
+        <p:nvSpPr>
+          <p:cNvPr id="9" name="TextBox 8">
+            <a:extLst>
+              <a:ext uri="{FF2B5EF4-FFF2-40B4-BE49-F238E27FC236}">
+                <a16:creationId xmlns:a16="http://schemas.microsoft.com/office/drawing/2014/main" id="{EAFFC1A8-6EAB-42DE-8F13-477D49BDC345}"/>
+              </a:ext>
+            </a:extLst>
+          </p:cNvPr>
+          <p:cNvSpPr txBox="1"/>
+          <p:nvPr/>
+        </p:nvSpPr>
+        <p:spPr>
+          <a:xfrm>
+            <a:off x="5294484" y="3059668"/>
+            <a:ext cx="1375248" cy="369332"/>
+          </a:xfrm>
+          <a:prstGeom prst="rect">
+            <a:avLst/>
+          </a:prstGeom>
+          <a:noFill/>
+        </p:spPr>
+        <p:txBody>
+          <a:bodyPr wrap="none" rtlCol="0">
+            <a:spAutoFit/>
+          </a:bodyPr>
+          <a:lstStyle/>
+          <a:p>
+            <a:r>
+              <a:rPr lang="en-CA" dirty="0"/>
+              <a:t>Return Block</a:t>
+            </a:r>
+          </a:p>
+        </p:txBody>
+      </p:sp>
+      <p:sp>
+        <p:nvSpPr>
+          <p:cNvPr id="10" name="TextBox 9">
+            <a:extLst>
+              <a:ext uri="{FF2B5EF4-FFF2-40B4-BE49-F238E27FC236}">
+                <a16:creationId xmlns:a16="http://schemas.microsoft.com/office/drawing/2014/main" id="{0A2791A0-9196-4C91-8049-BAC3BA941C42}"/>
+              </a:ext>
+            </a:extLst>
+          </p:cNvPr>
+          <p:cNvSpPr txBox="1"/>
+          <p:nvPr/>
+        </p:nvSpPr>
+        <p:spPr>
+          <a:xfrm>
+            <a:off x="875659" y="5350718"/>
+            <a:ext cx="635110" cy="369332"/>
+          </a:xfrm>
+          <a:prstGeom prst="rect">
+            <a:avLst/>
+          </a:prstGeom>
+          <a:noFill/>
+        </p:spPr>
+        <p:txBody>
+          <a:bodyPr wrap="none" rtlCol="0">
+            <a:spAutoFit/>
+          </a:bodyPr>
+          <a:lstStyle/>
+          <a:p>
+            <a:r>
+              <a:rPr lang="en-CA" dirty="0"/>
+              <a:t>0[</a:t>
+            </a:r>
+            <a:r>
+              <a:rPr lang="en-CA" dirty="0" err="1"/>
+              <a:t>fp</a:t>
+            </a:r>
+            <a:r>
+              <a:rPr lang="en-CA" dirty="0"/>
+              <a:t>]</a:t>
+            </a:r>
+          </a:p>
+        </p:txBody>
+      </p:sp>
+      <p:sp>
+        <p:nvSpPr>
+          <p:cNvPr id="11" name="TextBox 10">
+            <a:extLst>
+              <a:ext uri="{FF2B5EF4-FFF2-40B4-BE49-F238E27FC236}">
+                <a16:creationId xmlns:a16="http://schemas.microsoft.com/office/drawing/2014/main" id="{2DE8DD8F-8391-484A-829F-7F163708D1F8}"/>
+              </a:ext>
+            </a:extLst>
+          </p:cNvPr>
+          <p:cNvSpPr txBox="1"/>
+          <p:nvPr/>
+        </p:nvSpPr>
+        <p:spPr>
+          <a:xfrm>
+            <a:off x="875659" y="4909969"/>
+            <a:ext cx="635110" cy="369332"/>
+          </a:xfrm>
+          <a:prstGeom prst="rect">
+            <a:avLst/>
+          </a:prstGeom>
+          <a:noFill/>
+        </p:spPr>
+        <p:txBody>
+          <a:bodyPr wrap="none" rtlCol="0">
+            <a:spAutoFit/>
+          </a:bodyPr>
+          <a:lstStyle/>
+          <a:p>
+            <a:r>
+              <a:rPr lang="en-CA" dirty="0"/>
+              <a:t>8[</a:t>
+            </a:r>
+            <a:r>
+              <a:rPr lang="en-CA" dirty="0" err="1"/>
+              <a:t>fp</a:t>
+            </a:r>
+            <a:r>
+              <a:rPr lang="en-CA" dirty="0"/>
+              <a:t>]</a:t>
+            </a:r>
+          </a:p>
+        </p:txBody>
+      </p:sp>
+      <p:sp>
+        <p:nvSpPr>
+          <p:cNvPr id="12" name="TextBox 11">
+            <a:extLst>
+              <a:ext uri="{FF2B5EF4-FFF2-40B4-BE49-F238E27FC236}">
+                <a16:creationId xmlns:a16="http://schemas.microsoft.com/office/drawing/2014/main" id="{04955E00-4624-4EEB-B2ED-BBA3C3E6EDD5}"/>
+              </a:ext>
+            </a:extLst>
+          </p:cNvPr>
+          <p:cNvSpPr txBox="1"/>
+          <p:nvPr/>
+        </p:nvSpPr>
+        <p:spPr>
+          <a:xfrm>
+            <a:off x="817149" y="4486269"/>
+            <a:ext cx="752129" cy="369332"/>
+          </a:xfrm>
+          <a:prstGeom prst="rect">
+            <a:avLst/>
+          </a:prstGeom>
+          <a:noFill/>
+        </p:spPr>
+        <p:txBody>
+          <a:bodyPr wrap="none" rtlCol="0">
+            <a:spAutoFit/>
+          </a:bodyPr>
+          <a:lstStyle/>
+          <a:p>
+            <a:r>
+              <a:rPr lang="en-CA" dirty="0"/>
+              <a:t>16[</a:t>
+            </a:r>
+            <a:r>
+              <a:rPr lang="en-CA" dirty="0" err="1"/>
+              <a:t>fp</a:t>
+            </a:r>
+            <a:r>
+              <a:rPr lang="en-CA" dirty="0"/>
+              <a:t>]</a:t>
+            </a:r>
+          </a:p>
+        </p:txBody>
+      </p:sp>
+      <p:sp>
+        <p:nvSpPr>
+          <p:cNvPr id="13" name="TextBox 12">
+            <a:extLst>
+              <a:ext uri="{FF2B5EF4-FFF2-40B4-BE49-F238E27FC236}">
+                <a16:creationId xmlns:a16="http://schemas.microsoft.com/office/drawing/2014/main" id="{99AD6F8C-D9B0-4CB7-B211-A1B228F298BA}"/>
+              </a:ext>
+            </a:extLst>
+          </p:cNvPr>
+          <p:cNvSpPr txBox="1"/>
+          <p:nvPr/>
+        </p:nvSpPr>
+        <p:spPr>
+          <a:xfrm>
+            <a:off x="817149" y="4116937"/>
+            <a:ext cx="752129" cy="369332"/>
+          </a:xfrm>
+          <a:prstGeom prst="rect">
+            <a:avLst/>
+          </a:prstGeom>
+          <a:noFill/>
+        </p:spPr>
+        <p:txBody>
+          <a:bodyPr wrap="none" rtlCol="0">
+            <a:spAutoFit/>
+          </a:bodyPr>
+          <a:lstStyle/>
+          <a:p>
+            <a:r>
+              <a:rPr lang="en-CA" dirty="0"/>
+              <a:t>24[</a:t>
+            </a:r>
+            <a:r>
+              <a:rPr lang="en-CA" dirty="0" err="1"/>
+              <a:t>fp</a:t>
+            </a:r>
+            <a:r>
+              <a:rPr lang="en-CA" dirty="0"/>
+              <a:t>]</a:t>
+            </a:r>
+          </a:p>
+        </p:txBody>
+      </p:sp>
+      <p:sp>
+        <p:nvSpPr>
+          <p:cNvPr id="14" name="Rectangle 13">
+            <a:extLst>
+              <a:ext uri="{FF2B5EF4-FFF2-40B4-BE49-F238E27FC236}">
+                <a16:creationId xmlns:a16="http://schemas.microsoft.com/office/drawing/2014/main" id="{60C6BC30-5E14-4BCD-AC0B-3330ABD686F5}"/>
+              </a:ext>
+            </a:extLst>
+          </p:cNvPr>
+          <p:cNvSpPr/>
+          <p:nvPr/>
+        </p:nvSpPr>
+        <p:spPr>
+          <a:xfrm>
+            <a:off x="1828937" y="190417"/>
+            <a:ext cx="2948474" cy="531959"/>
+          </a:xfrm>
+          <a:prstGeom prst="rect">
+            <a:avLst/>
+          </a:prstGeom>
+          <a:solidFill>
+            <a:schemeClr val="bg1"/>
+          </a:solidFill>
+          <a:ln>
+            <a:solidFill>
+              <a:schemeClr val="tx1"/>
+            </a:solidFill>
+          </a:ln>
+        </p:spPr>
+        <p:style>
+          <a:lnRef idx="2">
+            <a:schemeClr val="accent1">
+              <a:shade val="50000"/>
+            </a:schemeClr>
+          </a:lnRef>
+          <a:fillRef idx="1">
+            <a:schemeClr val="accent1"/>
+          </a:fillRef>
+          <a:effectRef idx="0">
+            <a:schemeClr val="accent1"/>
+          </a:effectRef>
+          <a:fontRef idx="minor">
+            <a:schemeClr val="lt1"/>
+          </a:fontRef>
+        </p:style>
+        <p:txBody>
+          <a:bodyPr rtlCol="0" anchor="ctr"/>
+          <a:lstStyle/>
+          <a:p>
+            <a:pPr algn="ctr"/>
+            <a:r>
+              <a:rPr lang="en-CA" dirty="0">
+                <a:solidFill>
+                  <a:schemeClr val="tx1"/>
+                </a:solidFill>
+              </a:rPr>
+              <a:t>Function Parameters</a:t>
+            </a:r>
+          </a:p>
+        </p:txBody>
+      </p:sp>
+      <p:sp>
+        <p:nvSpPr>
+          <p:cNvPr id="15" name="TextBox 14">
+            <a:extLst>
+              <a:ext uri="{FF2B5EF4-FFF2-40B4-BE49-F238E27FC236}">
+                <a16:creationId xmlns:a16="http://schemas.microsoft.com/office/drawing/2014/main" id="{0A6A2FE6-8822-4072-B4F7-8AE23102A8EE}"/>
+              </a:ext>
+            </a:extLst>
+          </p:cNvPr>
+          <p:cNvSpPr txBox="1"/>
+          <p:nvPr/>
+        </p:nvSpPr>
+        <p:spPr>
+          <a:xfrm>
+            <a:off x="817148" y="3699028"/>
+            <a:ext cx="752129" cy="369332"/>
+          </a:xfrm>
+          <a:prstGeom prst="rect">
+            <a:avLst/>
+          </a:prstGeom>
+          <a:noFill/>
+        </p:spPr>
+        <p:txBody>
+          <a:bodyPr wrap="none" rtlCol="0">
+            <a:spAutoFit/>
+          </a:bodyPr>
+          <a:lstStyle/>
+          <a:p>
+            <a:r>
+              <a:rPr lang="en-CA" dirty="0"/>
+              <a:t>32[</a:t>
+            </a:r>
+            <a:r>
+              <a:rPr lang="en-CA" dirty="0" err="1"/>
+              <a:t>fp</a:t>
+            </a:r>
+            <a:r>
+              <a:rPr lang="en-CA" dirty="0"/>
+              <a:t>]</a:t>
+            </a:r>
+          </a:p>
+        </p:txBody>
+      </p:sp>
+      <p:sp>
+        <p:nvSpPr>
+          <p:cNvPr id="16" name="TextBox 15">
+            <a:extLst>
+              <a:ext uri="{FF2B5EF4-FFF2-40B4-BE49-F238E27FC236}">
+                <a16:creationId xmlns:a16="http://schemas.microsoft.com/office/drawing/2014/main" id="{3EC7A164-0AA0-4E15-9BA1-8147EBFF3CB8}"/>
+              </a:ext>
+            </a:extLst>
+          </p:cNvPr>
+          <p:cNvSpPr txBox="1"/>
+          <p:nvPr/>
+        </p:nvSpPr>
+        <p:spPr>
+          <a:xfrm>
+            <a:off x="7268738" y="595546"/>
+            <a:ext cx="4028578" cy="1477328"/>
+          </a:xfrm>
+          <a:prstGeom prst="rect">
+            <a:avLst/>
+          </a:prstGeom>
+          <a:noFill/>
+        </p:spPr>
+        <p:txBody>
+          <a:bodyPr wrap="square" rtlCol="0">
+            <a:spAutoFit/>
+          </a:bodyPr>
+          <a:lstStyle/>
+          <a:p>
+            <a:r>
+              <a:rPr lang="en-CA" dirty="0"/>
+              <a:t>Parameters passed on the stack begin at frame pointer plus 96.</a:t>
+            </a:r>
+          </a:p>
+          <a:p>
+            <a:endParaRPr lang="en-CA" dirty="0"/>
+          </a:p>
+          <a:p>
+            <a:r>
+              <a:rPr lang="en-CA" dirty="0"/>
+              <a:t>Local variables are address as negative offsets from the frame pointer.</a:t>
+            </a:r>
+          </a:p>
+        </p:txBody>
+      </p:sp>
+      <p:sp>
+        <p:nvSpPr>
+          <p:cNvPr id="17" name="Rectangle 16">
+            <a:extLst>
+              <a:ext uri="{FF2B5EF4-FFF2-40B4-BE49-F238E27FC236}">
+                <a16:creationId xmlns:a16="http://schemas.microsoft.com/office/drawing/2014/main" id="{F156EE3E-A8FD-446D-B01D-BF92A97B17DF}"/>
+              </a:ext>
+            </a:extLst>
+          </p:cNvPr>
+          <p:cNvSpPr/>
+          <p:nvPr/>
+        </p:nvSpPr>
+        <p:spPr>
+          <a:xfrm>
+            <a:off x="1828937" y="5877818"/>
+            <a:ext cx="2948474" cy="585891"/>
+          </a:xfrm>
+          <a:prstGeom prst="rect">
+            <a:avLst/>
+          </a:prstGeom>
+          <a:solidFill>
+            <a:schemeClr val="bg1"/>
+          </a:solidFill>
+          <a:ln>
+            <a:solidFill>
+              <a:schemeClr val="tx1"/>
+            </a:solidFill>
+          </a:ln>
+        </p:spPr>
+        <p:style>
+          <a:lnRef idx="2">
+            <a:schemeClr val="accent1">
+              <a:shade val="50000"/>
+            </a:schemeClr>
+          </a:lnRef>
+          <a:fillRef idx="1">
+            <a:schemeClr val="accent1"/>
+          </a:fillRef>
+          <a:effectRef idx="0">
+            <a:schemeClr val="accent1"/>
+          </a:effectRef>
+          <a:fontRef idx="minor">
+            <a:schemeClr val="lt1"/>
+          </a:fontRef>
+        </p:style>
+        <p:txBody>
+          <a:bodyPr rtlCol="0" anchor="ctr"/>
+          <a:lstStyle/>
+          <a:p>
+            <a:pPr algn="ctr"/>
+            <a:r>
+              <a:rPr lang="en-CA" dirty="0">
+                <a:solidFill>
+                  <a:schemeClr val="tx1"/>
+                </a:solidFill>
+              </a:rPr>
+              <a:t>Function Local Variables</a:t>
+            </a:r>
+          </a:p>
+        </p:txBody>
+      </p:sp>
+      <p:sp>
+        <p:nvSpPr>
+          <p:cNvPr id="18" name="TextBox 17">
+            <a:extLst>
+              <a:ext uri="{FF2B5EF4-FFF2-40B4-BE49-F238E27FC236}">
+                <a16:creationId xmlns:a16="http://schemas.microsoft.com/office/drawing/2014/main" id="{492907F0-68AF-45DB-A29A-B8DBAF1A888D}"/>
+              </a:ext>
+            </a:extLst>
+          </p:cNvPr>
+          <p:cNvSpPr txBox="1"/>
+          <p:nvPr/>
+        </p:nvSpPr>
+        <p:spPr>
+          <a:xfrm>
+            <a:off x="7268738" y="2330864"/>
+            <a:ext cx="3944794" cy="923330"/>
+          </a:xfrm>
+          <a:prstGeom prst="rect">
+            <a:avLst/>
+          </a:prstGeom>
+          <a:noFill/>
+        </p:spPr>
+        <p:txBody>
+          <a:bodyPr wrap="square" rtlCol="0">
+            <a:spAutoFit/>
+          </a:bodyPr>
+          <a:lstStyle/>
+          <a:p>
+            <a:r>
+              <a:rPr lang="en-CA" dirty="0"/>
+              <a:t>The exception handler address on the stack is the address of the </a:t>
+            </a:r>
+            <a:r>
+              <a:rPr lang="en-CA"/>
+              <a:t>function’s default exception </a:t>
+            </a:r>
+            <a:r>
+              <a:rPr lang="en-CA" dirty="0"/>
+              <a:t>handler.</a:t>
+            </a:r>
+          </a:p>
+        </p:txBody>
+      </p:sp>
+      <p:sp>
+        <p:nvSpPr>
+          <p:cNvPr id="19" name="TextBox 18">
+            <a:extLst>
+              <a:ext uri="{FF2B5EF4-FFF2-40B4-BE49-F238E27FC236}">
+                <a16:creationId xmlns:a16="http://schemas.microsoft.com/office/drawing/2014/main" id="{D58C7CCE-FEF4-4B34-A5DD-25A78F447D99}"/>
+              </a:ext>
+            </a:extLst>
+          </p:cNvPr>
+          <p:cNvSpPr txBox="1"/>
+          <p:nvPr/>
+        </p:nvSpPr>
+        <p:spPr>
+          <a:xfrm>
+            <a:off x="7268738" y="3512184"/>
+            <a:ext cx="3870149" cy="1200329"/>
+          </a:xfrm>
+          <a:prstGeom prst="rect">
+            <a:avLst/>
+          </a:prstGeom>
+          <a:noFill/>
+        </p:spPr>
+        <p:txBody>
+          <a:bodyPr wrap="square" rtlCol="0">
+            <a:spAutoFit/>
+          </a:bodyPr>
+          <a:lstStyle/>
+          <a:p>
+            <a:r>
+              <a:rPr lang="en-CA" dirty="0"/>
+              <a:t>The object list pointer is a pointer to a list of objects allocated with the new operator. The most recently allocated object is at the top of the list.</a:t>
+            </a:r>
+          </a:p>
+        </p:txBody>
+      </p:sp>
+      <p:sp>
+        <p:nvSpPr>
+          <p:cNvPr id="21" name="Rectangle 20">
+            <a:extLst>
+              <a:ext uri="{FF2B5EF4-FFF2-40B4-BE49-F238E27FC236}">
+                <a16:creationId xmlns:a16="http://schemas.microsoft.com/office/drawing/2014/main" id="{0BF116C9-DB4C-465F-899F-256CD4BC2B20}"/>
+              </a:ext>
+            </a:extLst>
+          </p:cNvPr>
+          <p:cNvSpPr/>
+          <p:nvPr/>
+        </p:nvSpPr>
+        <p:spPr>
+          <a:xfrm>
+            <a:off x="1828941" y="4918675"/>
+            <a:ext cx="2948474" cy="410547"/>
+          </a:xfrm>
+          <a:prstGeom prst="rect">
+            <a:avLst/>
+          </a:prstGeom>
+          <a:solidFill>
+            <a:schemeClr val="bg1"/>
+          </a:solidFill>
+          <a:ln>
+            <a:solidFill>
+              <a:schemeClr val="tx1"/>
+            </a:solidFill>
+          </a:ln>
+        </p:spPr>
+        <p:style>
+          <a:lnRef idx="2">
+            <a:schemeClr val="accent1">
+              <a:shade val="50000"/>
+            </a:schemeClr>
+          </a:lnRef>
+          <a:fillRef idx="1">
+            <a:schemeClr val="accent1"/>
+          </a:fillRef>
+          <a:effectRef idx="0">
+            <a:schemeClr val="accent1"/>
+          </a:effectRef>
+          <a:fontRef idx="minor">
+            <a:schemeClr val="lt1"/>
+          </a:fontRef>
+        </p:style>
+        <p:txBody>
+          <a:bodyPr rtlCol="0" anchor="ctr"/>
+          <a:lstStyle/>
+          <a:p>
+            <a:pPr algn="ctr"/>
+            <a:r>
+              <a:rPr lang="en-CA" dirty="0">
+                <a:solidFill>
+                  <a:schemeClr val="tx1"/>
+                </a:solidFill>
+              </a:rPr>
+              <a:t>Empty</a:t>
+            </a:r>
+          </a:p>
+        </p:txBody>
+      </p:sp>
+      <p:sp>
+        <p:nvSpPr>
+          <p:cNvPr id="22" name="Rectangle 21">
+            <a:extLst>
+              <a:ext uri="{FF2B5EF4-FFF2-40B4-BE49-F238E27FC236}">
+                <a16:creationId xmlns:a16="http://schemas.microsoft.com/office/drawing/2014/main" id="{795E48CE-FC91-4B02-B7D9-575918D1E337}"/>
+              </a:ext>
+            </a:extLst>
+          </p:cNvPr>
+          <p:cNvSpPr/>
+          <p:nvPr/>
+        </p:nvSpPr>
+        <p:spPr>
+          <a:xfrm>
+            <a:off x="1828941" y="4102708"/>
+            <a:ext cx="2948474" cy="410547"/>
+          </a:xfrm>
+          <a:prstGeom prst="rect">
+            <a:avLst/>
+          </a:prstGeom>
+          <a:solidFill>
+            <a:schemeClr val="bg1"/>
+          </a:solidFill>
+          <a:ln>
+            <a:solidFill>
+              <a:schemeClr val="tx1"/>
+            </a:solidFill>
+          </a:ln>
+        </p:spPr>
+        <p:style>
+          <a:lnRef idx="2">
+            <a:schemeClr val="accent1">
+              <a:shade val="50000"/>
+            </a:schemeClr>
+          </a:lnRef>
+          <a:fillRef idx="1">
+            <a:schemeClr val="accent1"/>
+          </a:fillRef>
+          <a:effectRef idx="0">
+            <a:schemeClr val="accent1"/>
+          </a:effectRef>
+          <a:fontRef idx="minor">
+            <a:schemeClr val="lt1"/>
+          </a:fontRef>
+        </p:style>
+        <p:txBody>
+          <a:bodyPr rtlCol="0" anchor="ctr"/>
+          <a:lstStyle/>
+          <a:p>
+            <a:pPr algn="ctr"/>
+            <a:r>
+              <a:rPr lang="en-CA" dirty="0">
+                <a:solidFill>
+                  <a:schemeClr val="tx1"/>
+                </a:solidFill>
+              </a:rPr>
+              <a:t>Return Address CS</a:t>
+            </a:r>
+          </a:p>
+        </p:txBody>
+      </p:sp>
+      <p:sp>
+        <p:nvSpPr>
+          <p:cNvPr id="23" name="Rectangle 22">
+            <a:extLst>
+              <a:ext uri="{FF2B5EF4-FFF2-40B4-BE49-F238E27FC236}">
+                <a16:creationId xmlns:a16="http://schemas.microsoft.com/office/drawing/2014/main" id="{F993F606-07AA-415C-8D25-ACFA858C68F2}"/>
+              </a:ext>
+            </a:extLst>
+          </p:cNvPr>
+          <p:cNvSpPr/>
+          <p:nvPr/>
+        </p:nvSpPr>
+        <p:spPr>
+          <a:xfrm>
+            <a:off x="1828939" y="3286741"/>
+            <a:ext cx="2948474" cy="410547"/>
+          </a:xfrm>
+          <a:prstGeom prst="rect">
+            <a:avLst/>
+          </a:prstGeom>
+          <a:solidFill>
+            <a:schemeClr val="bg1"/>
+          </a:solidFill>
+          <a:ln>
+            <a:solidFill>
+              <a:schemeClr val="tx1"/>
+            </a:solidFill>
+          </a:ln>
+        </p:spPr>
+        <p:style>
+          <a:lnRef idx="2">
+            <a:schemeClr val="accent1">
+              <a:shade val="50000"/>
+            </a:schemeClr>
+          </a:lnRef>
+          <a:fillRef idx="1">
+            <a:schemeClr val="accent1"/>
+          </a:fillRef>
+          <a:effectRef idx="0">
+            <a:schemeClr val="accent1"/>
+          </a:effectRef>
+          <a:fontRef idx="minor">
+            <a:schemeClr val="lt1"/>
+          </a:fontRef>
+        </p:style>
+        <p:txBody>
+          <a:bodyPr rtlCol="0" anchor="ctr"/>
+          <a:lstStyle/>
+          <a:p>
+            <a:pPr algn="ctr"/>
+            <a:r>
+              <a:rPr lang="en-CA" dirty="0">
+                <a:solidFill>
+                  <a:schemeClr val="tx1"/>
+                </a:solidFill>
+              </a:rPr>
+              <a:t>Exception Handler CS</a:t>
+            </a:r>
+          </a:p>
+        </p:txBody>
+      </p:sp>
+      <p:sp>
+        <p:nvSpPr>
+          <p:cNvPr id="24" name="TextBox 23">
+            <a:extLst>
+              <a:ext uri="{FF2B5EF4-FFF2-40B4-BE49-F238E27FC236}">
+                <a16:creationId xmlns:a16="http://schemas.microsoft.com/office/drawing/2014/main" id="{632B0E10-05CE-4BB9-95B8-DF5C2C131067}"/>
+              </a:ext>
+            </a:extLst>
+          </p:cNvPr>
+          <p:cNvSpPr txBox="1"/>
+          <p:nvPr/>
+        </p:nvSpPr>
+        <p:spPr>
+          <a:xfrm>
+            <a:off x="817147" y="3302512"/>
+            <a:ext cx="752129" cy="369332"/>
+          </a:xfrm>
+          <a:prstGeom prst="rect">
+            <a:avLst/>
+          </a:prstGeom>
+          <a:noFill/>
+        </p:spPr>
+        <p:txBody>
+          <a:bodyPr wrap="none" rtlCol="0">
+            <a:spAutoFit/>
+          </a:bodyPr>
+          <a:lstStyle/>
+          <a:p>
+            <a:r>
+              <a:rPr lang="en-CA" dirty="0"/>
+              <a:t>40[</a:t>
+            </a:r>
+            <a:r>
+              <a:rPr lang="en-CA" dirty="0" err="1"/>
+              <a:t>fp</a:t>
+            </a:r>
+            <a:r>
+              <a:rPr lang="en-CA" dirty="0"/>
+              <a:t>]</a:t>
+            </a:r>
+          </a:p>
+        </p:txBody>
+      </p:sp>
+      <p:sp>
+        <p:nvSpPr>
+          <p:cNvPr id="25" name="Rectangle 24">
+            <a:extLst>
+              <a:ext uri="{FF2B5EF4-FFF2-40B4-BE49-F238E27FC236}">
+                <a16:creationId xmlns:a16="http://schemas.microsoft.com/office/drawing/2014/main" id="{C5EB7098-9FCA-4227-87B0-66143BE9F3C7}"/>
+              </a:ext>
+            </a:extLst>
+          </p:cNvPr>
+          <p:cNvSpPr/>
+          <p:nvPr/>
+        </p:nvSpPr>
+        <p:spPr>
+          <a:xfrm>
+            <a:off x="1828937" y="2465323"/>
+            <a:ext cx="2948474" cy="410547"/>
+          </a:xfrm>
+          <a:prstGeom prst="rect">
+            <a:avLst/>
+          </a:prstGeom>
+          <a:solidFill>
+            <a:schemeClr val="bg1"/>
+          </a:solidFill>
+          <a:ln>
+            <a:solidFill>
+              <a:schemeClr val="tx1"/>
+            </a:solidFill>
+          </a:ln>
+        </p:spPr>
+        <p:style>
+          <a:lnRef idx="2">
+            <a:schemeClr val="accent1">
+              <a:shade val="50000"/>
+            </a:schemeClr>
+          </a:lnRef>
+          <a:fillRef idx="1">
+            <a:schemeClr val="accent1"/>
+          </a:fillRef>
+          <a:effectRef idx="0">
+            <a:schemeClr val="accent1"/>
+          </a:effectRef>
+          <a:fontRef idx="minor">
+            <a:schemeClr val="lt1"/>
+          </a:fontRef>
+        </p:style>
+        <p:txBody>
+          <a:bodyPr rtlCol="0" anchor="ctr"/>
+          <a:lstStyle/>
+          <a:p>
+            <a:pPr algn="ctr"/>
+            <a:r>
+              <a:rPr lang="en-CA" dirty="0">
+                <a:solidFill>
+                  <a:schemeClr val="tx1"/>
+                </a:solidFill>
+              </a:rPr>
+              <a:t>Empty / Object List DS</a:t>
+            </a:r>
+          </a:p>
+        </p:txBody>
+      </p:sp>
+      <p:sp>
+        <p:nvSpPr>
+          <p:cNvPr id="26" name="TextBox 25">
+            <a:extLst>
+              <a:ext uri="{FF2B5EF4-FFF2-40B4-BE49-F238E27FC236}">
+                <a16:creationId xmlns:a16="http://schemas.microsoft.com/office/drawing/2014/main" id="{01D1E150-8018-477D-BAE7-D6013372AB78}"/>
+              </a:ext>
+            </a:extLst>
+          </p:cNvPr>
+          <p:cNvSpPr txBox="1"/>
+          <p:nvPr/>
+        </p:nvSpPr>
+        <p:spPr>
+          <a:xfrm>
+            <a:off x="817147" y="2900520"/>
+            <a:ext cx="752129" cy="369332"/>
+          </a:xfrm>
+          <a:prstGeom prst="rect">
+            <a:avLst/>
+          </a:prstGeom>
+          <a:noFill/>
+        </p:spPr>
+        <p:txBody>
+          <a:bodyPr wrap="none" rtlCol="0">
+            <a:spAutoFit/>
+          </a:bodyPr>
+          <a:lstStyle/>
+          <a:p>
+            <a:r>
+              <a:rPr lang="en-CA" dirty="0"/>
+              <a:t>48[</a:t>
+            </a:r>
+            <a:r>
+              <a:rPr lang="en-CA" dirty="0" err="1"/>
+              <a:t>fp</a:t>
+            </a:r>
+            <a:r>
+              <a:rPr lang="en-CA" dirty="0"/>
+              <a:t>]</a:t>
+            </a:r>
+          </a:p>
+        </p:txBody>
+      </p:sp>
+      <p:sp>
+        <p:nvSpPr>
+          <p:cNvPr id="27" name="TextBox 26">
+            <a:extLst>
+              <a:ext uri="{FF2B5EF4-FFF2-40B4-BE49-F238E27FC236}">
+                <a16:creationId xmlns:a16="http://schemas.microsoft.com/office/drawing/2014/main" id="{A9534E3D-E84E-4EE6-9720-681E12CD1561}"/>
+              </a:ext>
+            </a:extLst>
+          </p:cNvPr>
+          <p:cNvSpPr txBox="1"/>
+          <p:nvPr/>
+        </p:nvSpPr>
+        <p:spPr>
+          <a:xfrm>
+            <a:off x="824816" y="2464558"/>
+            <a:ext cx="752129" cy="369332"/>
+          </a:xfrm>
+          <a:prstGeom prst="rect">
+            <a:avLst/>
+          </a:prstGeom>
+          <a:noFill/>
+        </p:spPr>
+        <p:txBody>
+          <a:bodyPr wrap="none" rtlCol="0">
+            <a:spAutoFit/>
+          </a:bodyPr>
+          <a:lstStyle/>
+          <a:p>
+            <a:r>
+              <a:rPr lang="en-CA" dirty="0"/>
+              <a:t>56[</a:t>
+            </a:r>
+            <a:r>
+              <a:rPr lang="en-CA" dirty="0" err="1"/>
+              <a:t>fp</a:t>
+            </a:r>
+            <a:r>
+              <a:rPr lang="en-CA" dirty="0"/>
+              <a:t>]</a:t>
+            </a:r>
+          </a:p>
+        </p:txBody>
+      </p:sp>
+      <p:sp>
+        <p:nvSpPr>
+          <p:cNvPr id="28" name="Rectangle 27">
+            <a:extLst>
+              <a:ext uri="{FF2B5EF4-FFF2-40B4-BE49-F238E27FC236}">
+                <a16:creationId xmlns:a16="http://schemas.microsoft.com/office/drawing/2014/main" id="{CDF84678-8C2D-440F-BD49-3292FF4258CD}"/>
+              </a:ext>
+            </a:extLst>
+          </p:cNvPr>
+          <p:cNvSpPr/>
+          <p:nvPr/>
+        </p:nvSpPr>
+        <p:spPr>
+          <a:xfrm>
+            <a:off x="1828937" y="2059782"/>
+            <a:ext cx="2948474" cy="410547"/>
+          </a:xfrm>
+          <a:prstGeom prst="rect">
+            <a:avLst/>
+          </a:prstGeom>
+          <a:solidFill>
+            <a:schemeClr val="bg1"/>
+          </a:solidFill>
+          <a:ln>
+            <a:solidFill>
+              <a:schemeClr val="tx1"/>
+            </a:solidFill>
+          </a:ln>
+        </p:spPr>
+        <p:style>
+          <a:lnRef idx="2">
+            <a:schemeClr val="accent1">
+              <a:shade val="50000"/>
+            </a:schemeClr>
+          </a:lnRef>
+          <a:fillRef idx="1">
+            <a:schemeClr val="accent1"/>
+          </a:fillRef>
+          <a:effectRef idx="0">
+            <a:schemeClr val="accent1"/>
+          </a:effectRef>
+          <a:fontRef idx="minor">
+            <a:schemeClr val="lt1"/>
+          </a:fontRef>
+        </p:style>
+        <p:txBody>
+          <a:bodyPr rtlCol="0" anchor="ctr"/>
+          <a:lstStyle/>
+          <a:p>
+            <a:pPr algn="ctr"/>
+            <a:r>
+              <a:rPr lang="en-CA" dirty="0">
+                <a:solidFill>
+                  <a:schemeClr val="tx1"/>
+                </a:solidFill>
+              </a:rPr>
+              <a:t>Empty</a:t>
+            </a:r>
+          </a:p>
+        </p:txBody>
+      </p:sp>
+      <p:sp>
+        <p:nvSpPr>
+          <p:cNvPr id="29" name="Rectangle 28">
+            <a:extLst>
+              <a:ext uri="{FF2B5EF4-FFF2-40B4-BE49-F238E27FC236}">
+                <a16:creationId xmlns:a16="http://schemas.microsoft.com/office/drawing/2014/main" id="{246E0C32-FF3B-4A23-870D-B364EC047107}"/>
+              </a:ext>
+            </a:extLst>
+          </p:cNvPr>
+          <p:cNvSpPr/>
+          <p:nvPr/>
+        </p:nvSpPr>
+        <p:spPr>
+          <a:xfrm>
+            <a:off x="1828937" y="1650163"/>
+            <a:ext cx="2948474" cy="410547"/>
+          </a:xfrm>
+          <a:prstGeom prst="rect">
+            <a:avLst/>
+          </a:prstGeom>
+          <a:solidFill>
+            <a:schemeClr val="bg1"/>
+          </a:solidFill>
+          <a:ln>
+            <a:solidFill>
+              <a:schemeClr val="tx1"/>
+            </a:solidFill>
+          </a:ln>
+        </p:spPr>
+        <p:style>
+          <a:lnRef idx="2">
+            <a:schemeClr val="accent1">
+              <a:shade val="50000"/>
+            </a:schemeClr>
+          </a:lnRef>
+          <a:fillRef idx="1">
+            <a:schemeClr val="accent1"/>
+          </a:fillRef>
+          <a:effectRef idx="0">
+            <a:schemeClr val="accent1"/>
+          </a:effectRef>
+          <a:fontRef idx="minor">
+            <a:schemeClr val="lt1"/>
+          </a:fontRef>
+        </p:style>
+        <p:txBody>
+          <a:bodyPr rtlCol="0" anchor="ctr"/>
+          <a:lstStyle/>
+          <a:p>
+            <a:pPr algn="ctr"/>
+            <a:r>
+              <a:rPr lang="en-CA" dirty="0">
+                <a:solidFill>
+                  <a:schemeClr val="tx1"/>
+                </a:solidFill>
+              </a:rPr>
+              <a:t>Empty</a:t>
+            </a:r>
+          </a:p>
+        </p:txBody>
+      </p:sp>
+      <p:sp>
+        <p:nvSpPr>
+          <p:cNvPr id="30" name="Rectangle 29">
+            <a:extLst>
+              <a:ext uri="{FF2B5EF4-FFF2-40B4-BE49-F238E27FC236}">
+                <a16:creationId xmlns:a16="http://schemas.microsoft.com/office/drawing/2014/main" id="{B22FEC06-C795-48E9-97BA-7387C6B8A7F2}"/>
+              </a:ext>
+            </a:extLst>
+          </p:cNvPr>
+          <p:cNvSpPr/>
+          <p:nvPr/>
+        </p:nvSpPr>
+        <p:spPr>
+          <a:xfrm>
+            <a:off x="1828937" y="1230701"/>
+            <a:ext cx="2948474" cy="410547"/>
+          </a:xfrm>
+          <a:prstGeom prst="rect">
+            <a:avLst/>
+          </a:prstGeom>
+          <a:solidFill>
+            <a:schemeClr val="bg1"/>
+          </a:solidFill>
+          <a:ln>
+            <a:solidFill>
+              <a:schemeClr val="tx1"/>
+            </a:solidFill>
+          </a:ln>
+        </p:spPr>
+        <p:style>
+          <a:lnRef idx="2">
+            <a:schemeClr val="accent1">
+              <a:shade val="50000"/>
+            </a:schemeClr>
+          </a:lnRef>
+          <a:fillRef idx="1">
+            <a:schemeClr val="accent1"/>
+          </a:fillRef>
+          <a:effectRef idx="0">
+            <a:schemeClr val="accent1"/>
+          </a:effectRef>
+          <a:fontRef idx="minor">
+            <a:schemeClr val="lt1"/>
+          </a:fontRef>
+        </p:style>
+        <p:txBody>
+          <a:bodyPr rtlCol="0" anchor="ctr"/>
+          <a:lstStyle/>
+          <a:p>
+            <a:pPr algn="ctr"/>
+            <a:r>
+              <a:rPr lang="en-CA" dirty="0">
+                <a:solidFill>
+                  <a:schemeClr val="tx1"/>
+                </a:solidFill>
+              </a:rPr>
+              <a:t>Empty</a:t>
+            </a:r>
+          </a:p>
+        </p:txBody>
+      </p:sp>
+      <p:sp>
+        <p:nvSpPr>
+          <p:cNvPr id="31" name="Rectangle 30">
+            <a:extLst>
+              <a:ext uri="{FF2B5EF4-FFF2-40B4-BE49-F238E27FC236}">
+                <a16:creationId xmlns:a16="http://schemas.microsoft.com/office/drawing/2014/main" id="{A1345772-D535-4460-A549-2527313DB9A2}"/>
+              </a:ext>
+            </a:extLst>
+          </p:cNvPr>
+          <p:cNvSpPr/>
+          <p:nvPr/>
+        </p:nvSpPr>
+        <p:spPr>
+          <a:xfrm>
+            <a:off x="1828937" y="825913"/>
+            <a:ext cx="2948474" cy="410547"/>
+          </a:xfrm>
+          <a:prstGeom prst="rect">
+            <a:avLst/>
+          </a:prstGeom>
+          <a:solidFill>
+            <a:schemeClr val="bg1"/>
+          </a:solidFill>
+          <a:ln>
+            <a:solidFill>
+              <a:schemeClr val="tx1"/>
+            </a:solidFill>
+          </a:ln>
+        </p:spPr>
+        <p:style>
+          <a:lnRef idx="2">
+            <a:schemeClr val="accent1">
+              <a:shade val="50000"/>
+            </a:schemeClr>
+          </a:lnRef>
+          <a:fillRef idx="1">
+            <a:schemeClr val="accent1"/>
+          </a:fillRef>
+          <a:effectRef idx="0">
+            <a:schemeClr val="accent1"/>
+          </a:effectRef>
+          <a:fontRef idx="minor">
+            <a:schemeClr val="lt1"/>
+          </a:fontRef>
+        </p:style>
+        <p:txBody>
+          <a:bodyPr rtlCol="0" anchor="ctr"/>
+          <a:lstStyle/>
+          <a:p>
+            <a:pPr algn="ctr"/>
+            <a:r>
+              <a:rPr lang="en-CA" dirty="0">
+                <a:solidFill>
+                  <a:schemeClr val="tx1"/>
+                </a:solidFill>
+              </a:rPr>
+              <a:t>Empty</a:t>
+            </a:r>
+          </a:p>
+        </p:txBody>
+      </p:sp>
+      <p:sp>
+        <p:nvSpPr>
+          <p:cNvPr id="33" name="TextBox 32">
+            <a:extLst>
+              <a:ext uri="{FF2B5EF4-FFF2-40B4-BE49-F238E27FC236}">
+                <a16:creationId xmlns:a16="http://schemas.microsoft.com/office/drawing/2014/main" id="{0196C968-9DDE-4BF6-9873-D71B76F24FF1}"/>
+              </a:ext>
+            </a:extLst>
+          </p:cNvPr>
+          <p:cNvSpPr txBox="1"/>
+          <p:nvPr/>
+        </p:nvSpPr>
+        <p:spPr>
+          <a:xfrm>
+            <a:off x="819849" y="2087341"/>
+            <a:ext cx="752129" cy="369332"/>
+          </a:xfrm>
+          <a:prstGeom prst="rect">
+            <a:avLst/>
+          </a:prstGeom>
+          <a:noFill/>
+        </p:spPr>
+        <p:txBody>
+          <a:bodyPr wrap="none" rtlCol="0">
+            <a:spAutoFit/>
+          </a:bodyPr>
+          <a:lstStyle/>
+          <a:p>
+            <a:r>
+              <a:rPr lang="en-CA" dirty="0"/>
+              <a:t>64[</a:t>
+            </a:r>
+            <a:r>
+              <a:rPr lang="en-CA" dirty="0" err="1"/>
+              <a:t>fp</a:t>
+            </a:r>
+            <a:r>
+              <a:rPr lang="en-CA" dirty="0"/>
+              <a:t>]</a:t>
+            </a:r>
+          </a:p>
+        </p:txBody>
+      </p:sp>
+      <p:sp>
+        <p:nvSpPr>
+          <p:cNvPr id="34" name="TextBox 33">
+            <a:extLst>
+              <a:ext uri="{FF2B5EF4-FFF2-40B4-BE49-F238E27FC236}">
+                <a16:creationId xmlns:a16="http://schemas.microsoft.com/office/drawing/2014/main" id="{616D10A6-D10C-4178-9991-58825E42835A}"/>
+              </a:ext>
+            </a:extLst>
+          </p:cNvPr>
+          <p:cNvSpPr txBox="1"/>
+          <p:nvPr/>
+        </p:nvSpPr>
+        <p:spPr>
+          <a:xfrm>
+            <a:off x="830468" y="1690825"/>
+            <a:ext cx="752129" cy="369332"/>
+          </a:xfrm>
+          <a:prstGeom prst="rect">
+            <a:avLst/>
+          </a:prstGeom>
+          <a:noFill/>
+        </p:spPr>
+        <p:txBody>
+          <a:bodyPr wrap="none" rtlCol="0">
+            <a:spAutoFit/>
+          </a:bodyPr>
+          <a:lstStyle/>
+          <a:p>
+            <a:r>
+              <a:rPr lang="en-CA" dirty="0"/>
+              <a:t>72[</a:t>
+            </a:r>
+            <a:r>
+              <a:rPr lang="en-CA" dirty="0" err="1"/>
+              <a:t>fp</a:t>
+            </a:r>
+            <a:r>
+              <a:rPr lang="en-CA" dirty="0"/>
+              <a:t>]</a:t>
+            </a:r>
+          </a:p>
+        </p:txBody>
+      </p:sp>
+      <p:sp>
+        <p:nvSpPr>
+          <p:cNvPr id="35" name="TextBox 34">
+            <a:extLst>
+              <a:ext uri="{FF2B5EF4-FFF2-40B4-BE49-F238E27FC236}">
+                <a16:creationId xmlns:a16="http://schemas.microsoft.com/office/drawing/2014/main" id="{29618967-E32A-4065-B461-1F4172C713C0}"/>
+              </a:ext>
+            </a:extLst>
+          </p:cNvPr>
+          <p:cNvSpPr txBox="1"/>
+          <p:nvPr/>
+        </p:nvSpPr>
+        <p:spPr>
+          <a:xfrm>
+            <a:off x="837304" y="1274162"/>
+            <a:ext cx="752129" cy="369332"/>
+          </a:xfrm>
+          <a:prstGeom prst="rect">
+            <a:avLst/>
+          </a:prstGeom>
+          <a:noFill/>
+        </p:spPr>
+        <p:txBody>
+          <a:bodyPr wrap="none" rtlCol="0">
+            <a:spAutoFit/>
+          </a:bodyPr>
+          <a:lstStyle/>
+          <a:p>
+            <a:r>
+              <a:rPr lang="en-CA" dirty="0"/>
+              <a:t>80[</a:t>
+            </a:r>
+            <a:r>
+              <a:rPr lang="en-CA" dirty="0" err="1"/>
+              <a:t>fp</a:t>
+            </a:r>
+            <a:r>
+              <a:rPr lang="en-CA" dirty="0"/>
+              <a:t>]</a:t>
+            </a:r>
+          </a:p>
+        </p:txBody>
+      </p:sp>
+      <p:sp>
+        <p:nvSpPr>
+          <p:cNvPr id="36" name="TextBox 35">
+            <a:extLst>
+              <a:ext uri="{FF2B5EF4-FFF2-40B4-BE49-F238E27FC236}">
+                <a16:creationId xmlns:a16="http://schemas.microsoft.com/office/drawing/2014/main" id="{8852A281-7E86-4AD4-B183-E6B04AC33E30}"/>
+              </a:ext>
+            </a:extLst>
+          </p:cNvPr>
+          <p:cNvSpPr txBox="1"/>
+          <p:nvPr/>
+        </p:nvSpPr>
+        <p:spPr>
+          <a:xfrm>
+            <a:off x="832337" y="869116"/>
+            <a:ext cx="752129" cy="369332"/>
+          </a:xfrm>
+          <a:prstGeom prst="rect">
+            <a:avLst/>
+          </a:prstGeom>
+          <a:noFill/>
+        </p:spPr>
+        <p:txBody>
+          <a:bodyPr wrap="none" rtlCol="0">
+            <a:spAutoFit/>
+          </a:bodyPr>
+          <a:lstStyle/>
+          <a:p>
+            <a:r>
+              <a:rPr lang="en-CA" dirty="0"/>
+              <a:t>88[</a:t>
+            </a:r>
+            <a:r>
+              <a:rPr lang="en-CA" dirty="0" err="1"/>
+              <a:t>fp</a:t>
+            </a:r>
+            <a:r>
+              <a:rPr lang="en-CA" dirty="0"/>
+              <a:t>]</a:t>
+            </a:r>
+          </a:p>
+        </p:txBody>
+      </p:sp>
+    </p:spTree>
+    <p:extLst>
+      <p:ext uri="{BB962C8B-B14F-4D97-AF65-F5344CB8AC3E}">
+        <p14:creationId xmlns:p14="http://schemas.microsoft.com/office/powerpoint/2010/main" val="1217642371"/>
       </p:ext>
     </p:extLst>
   </p:cSld>
